--- a/Capstone Project Final - Report pres.pptx
+++ b/Capstone Project Final - Report pres.pptx
@@ -116,6 +116,11 @@
       </a:defRPr>
     </a:lvl9pPr>
   </p:defaultTextStyle>
+  <p:extLst>
+    <p:ext uri="{EFAFB233-063F-42B5-8137-9DF3F51BA10A}">
+      <p15:sldGuideLst xmlns:p15="http://schemas.microsoft.com/office/powerpoint/2012/main"/>
+    </p:ext>
+  </p:extLst>
 </p:presentation>
 </file>
 
@@ -169,7 +174,7 @@
           <a:noFill/>
           <a:extLst>
             <a:ext uri="{909E8E84-426E-40dd-AFC4-6F175D3DCCD1}">
-              <a14:hiddenFill xmlns:a14="http://schemas.microsoft.com/office/drawing/2010/main" xmlns="">
+              <a14:hiddenFill xmlns="" xmlns:a14="http://schemas.microsoft.com/office/drawing/2010/main">
                 <a:solidFill>
                   <a:srgbClr val="FFFFFF"/>
                 </a:solidFill>
@@ -229,7 +234,7 @@
             </a:ln>
             <a:extLst>
               <a:ext uri="{91240B29-F687-4f45-9708-019B960494DF}">
-                <a14:hiddenLine xmlns:a14="http://schemas.microsoft.com/office/drawing/2010/main" xmlns="" w="9525">
+                <a14:hiddenLine xmlns="" xmlns:a14="http://schemas.microsoft.com/office/drawing/2010/main" w="9525">
                   <a:solidFill>
                     <a:srgbClr val="000000"/>
                   </a:solidFill>
@@ -319,7 +324,7 @@
             </a:ln>
             <a:extLst>
               <a:ext uri="{91240B29-F687-4f45-9708-019B960494DF}">
-                <a14:hiddenLine xmlns:a14="http://schemas.microsoft.com/office/drawing/2010/main" xmlns="" w="9525">
+                <a14:hiddenLine xmlns="" xmlns:a14="http://schemas.microsoft.com/office/drawing/2010/main" w="9525">
                   <a:solidFill>
                     <a:srgbClr val="000000"/>
                   </a:solidFill>
@@ -409,7 +414,7 @@
             </a:ln>
             <a:extLst>
               <a:ext uri="{91240B29-F687-4f45-9708-019B960494DF}">
-                <a14:hiddenLine xmlns:a14="http://schemas.microsoft.com/office/drawing/2010/main" xmlns="" w="9525">
+                <a14:hiddenLine xmlns="" xmlns:a14="http://schemas.microsoft.com/office/drawing/2010/main" w="9525">
                   <a:solidFill>
                     <a:srgbClr val="000000"/>
                   </a:solidFill>
@@ -443,7 +448,7 @@
             </a:ln>
             <a:extLst>
               <a:ext uri="{91240B29-F687-4f45-9708-019B960494DF}">
-                <a14:hiddenLine xmlns:a14="http://schemas.microsoft.com/office/drawing/2010/main" xmlns="" w="9525">
+                <a14:hiddenLine xmlns="" xmlns:a14="http://schemas.microsoft.com/office/drawing/2010/main" w="9525">
                   <a:solidFill>
                     <a:srgbClr val="000000"/>
                   </a:solidFill>
@@ -533,7 +538,7 @@
             </a:ln>
             <a:extLst>
               <a:ext uri="{91240B29-F687-4f45-9708-019B960494DF}">
-                <a14:hiddenLine xmlns:a14="http://schemas.microsoft.com/office/drawing/2010/main" xmlns="" w="9525">
+                <a14:hiddenLine xmlns="" xmlns:a14="http://schemas.microsoft.com/office/drawing/2010/main" w="9525">
                   <a:solidFill>
                     <a:srgbClr val="000000"/>
                   </a:solidFill>
@@ -595,7 +600,7 @@
             </a:ln>
             <a:extLst>
               <a:ext uri="{91240B29-F687-4f45-9708-019B960494DF}">
-                <a14:hiddenLine xmlns:a14="http://schemas.microsoft.com/office/drawing/2010/main" xmlns="" w="9525">
+                <a14:hiddenLine xmlns="" xmlns:a14="http://schemas.microsoft.com/office/drawing/2010/main" w="9525">
                   <a:solidFill>
                     <a:srgbClr val="000000"/>
                   </a:solidFill>
@@ -657,7 +662,7 @@
             </a:ln>
             <a:extLst>
               <a:ext uri="{91240B29-F687-4f45-9708-019B960494DF}">
-                <a14:hiddenLine xmlns:a14="http://schemas.microsoft.com/office/drawing/2010/main" xmlns="" w="9525">
+                <a14:hiddenLine xmlns="" xmlns:a14="http://schemas.microsoft.com/office/drawing/2010/main" w="9525">
                   <a:solidFill>
                     <a:srgbClr val="000000"/>
                   </a:solidFill>
@@ -747,7 +752,7 @@
             </a:ln>
             <a:extLst>
               <a:ext uri="{91240B29-F687-4f45-9708-019B960494DF}">
-                <a14:hiddenLine xmlns:a14="http://schemas.microsoft.com/office/drawing/2010/main" xmlns="" w="9525">
+                <a14:hiddenLine xmlns="" xmlns:a14="http://schemas.microsoft.com/office/drawing/2010/main" w="9525">
                   <a:solidFill>
                     <a:srgbClr val="000000"/>
                   </a:solidFill>
@@ -809,7 +814,7 @@
             </a:ln>
             <a:extLst>
               <a:ext uri="{91240B29-F687-4f45-9708-019B960494DF}">
-                <a14:hiddenLine xmlns:a14="http://schemas.microsoft.com/office/drawing/2010/main" xmlns="" w="9525">
+                <a14:hiddenLine xmlns="" xmlns:a14="http://schemas.microsoft.com/office/drawing/2010/main" w="9525">
                   <a:solidFill>
                     <a:srgbClr val="000000"/>
                   </a:solidFill>
@@ -871,7 +876,7 @@
             </a:ln>
             <a:extLst>
               <a:ext uri="{91240B29-F687-4f45-9708-019B960494DF}">
-                <a14:hiddenLine xmlns:a14="http://schemas.microsoft.com/office/drawing/2010/main" xmlns="" w="9525">
+                <a14:hiddenLine xmlns="" xmlns:a14="http://schemas.microsoft.com/office/drawing/2010/main" w="9525">
                   <a:solidFill>
                     <a:srgbClr val="000000"/>
                   </a:solidFill>
@@ -961,7 +966,7 @@
             </a:ln>
             <a:extLst>
               <a:ext uri="{91240B29-F687-4f45-9708-019B960494DF}">
-                <a14:hiddenLine xmlns:a14="http://schemas.microsoft.com/office/drawing/2010/main" xmlns="" w="9525">
+                <a14:hiddenLine xmlns="" xmlns:a14="http://schemas.microsoft.com/office/drawing/2010/main" w="9525">
                   <a:solidFill>
                     <a:srgbClr val="000000"/>
                   </a:solidFill>
@@ -1051,7 +1056,7 @@
             </a:ln>
             <a:extLst>
               <a:ext uri="{91240B29-F687-4f45-9708-019B960494DF}">
-                <a14:hiddenLine xmlns:a14="http://schemas.microsoft.com/office/drawing/2010/main" xmlns="" w="9525">
+                <a14:hiddenLine xmlns="" xmlns:a14="http://schemas.microsoft.com/office/drawing/2010/main" w="9525">
                   <a:solidFill>
                     <a:srgbClr val="000000"/>
                   </a:solidFill>
@@ -1113,7 +1118,7 @@
             </a:ln>
             <a:extLst>
               <a:ext uri="{91240B29-F687-4f45-9708-019B960494DF}">
-                <a14:hiddenLine xmlns:a14="http://schemas.microsoft.com/office/drawing/2010/main" xmlns="" w="9525">
+                <a14:hiddenLine xmlns="" xmlns:a14="http://schemas.microsoft.com/office/drawing/2010/main" w="9525">
                   <a:solidFill>
                     <a:srgbClr val="000000"/>
                   </a:solidFill>
@@ -1223,7 +1228,7 @@
             </a:ln>
             <a:extLst>
               <a:ext uri="{91240B29-F687-4f45-9708-019B960494DF}">
-                <a14:hiddenLine xmlns:a14="http://schemas.microsoft.com/office/drawing/2010/main" xmlns="" w="9525">
+                <a14:hiddenLine xmlns="" xmlns:a14="http://schemas.microsoft.com/office/drawing/2010/main" w="9525">
                   <a:solidFill>
                     <a:srgbClr val="000000"/>
                   </a:solidFill>
@@ -1285,7 +1290,7 @@
             </a:ln>
             <a:extLst>
               <a:ext uri="{91240B29-F687-4f45-9708-019B960494DF}">
-                <a14:hiddenLine xmlns:a14="http://schemas.microsoft.com/office/drawing/2010/main" xmlns="" w="9525">
+                <a14:hiddenLine xmlns="" xmlns:a14="http://schemas.microsoft.com/office/drawing/2010/main" w="9525">
                   <a:solidFill>
                     <a:srgbClr val="000000"/>
                   </a:solidFill>
@@ -1375,7 +1380,7 @@
             </a:ln>
             <a:extLst>
               <a:ext uri="{91240B29-F687-4f45-9708-019B960494DF}">
-                <a14:hiddenLine xmlns:a14="http://schemas.microsoft.com/office/drawing/2010/main" xmlns="" w="9525">
+                <a14:hiddenLine xmlns="" xmlns:a14="http://schemas.microsoft.com/office/drawing/2010/main" w="9525">
                   <a:solidFill>
                     <a:srgbClr val="000000"/>
                   </a:solidFill>
@@ -1465,7 +1470,7 @@
             </a:ln>
             <a:extLst>
               <a:ext uri="{91240B29-F687-4f45-9708-019B960494DF}">
-                <a14:hiddenLine xmlns:a14="http://schemas.microsoft.com/office/drawing/2010/main" xmlns="" w="9525">
+                <a14:hiddenLine xmlns="" xmlns:a14="http://schemas.microsoft.com/office/drawing/2010/main" w="9525">
                   <a:solidFill>
                     <a:srgbClr val="000000"/>
                   </a:solidFill>
@@ -1527,7 +1532,7 @@
             </a:ln>
             <a:extLst>
               <a:ext uri="{91240B29-F687-4f45-9708-019B960494DF}">
-                <a14:hiddenLine xmlns:a14="http://schemas.microsoft.com/office/drawing/2010/main" xmlns="" w="9525">
+                <a14:hiddenLine xmlns="" xmlns:a14="http://schemas.microsoft.com/office/drawing/2010/main" w="9525">
                   <a:solidFill>
                     <a:srgbClr val="000000"/>
                   </a:solidFill>
@@ -1617,7 +1622,7 @@
             </a:ln>
             <a:extLst>
               <a:ext uri="{91240B29-F687-4f45-9708-019B960494DF}">
-                <a14:hiddenLine xmlns:a14="http://schemas.microsoft.com/office/drawing/2010/main" xmlns="" w="9525">
+                <a14:hiddenLine xmlns="" xmlns:a14="http://schemas.microsoft.com/office/drawing/2010/main" w="9525">
                   <a:solidFill>
                     <a:srgbClr val="000000"/>
                   </a:solidFill>
@@ -1707,7 +1712,7 @@
             </a:ln>
             <a:extLst>
               <a:ext uri="{91240B29-F687-4f45-9708-019B960494DF}">
-                <a14:hiddenLine xmlns:a14="http://schemas.microsoft.com/office/drawing/2010/main" xmlns="" w="9525">
+                <a14:hiddenLine xmlns="" xmlns:a14="http://schemas.microsoft.com/office/drawing/2010/main" w="9525">
                   <a:solidFill>
                     <a:srgbClr val="000000"/>
                   </a:solidFill>
@@ -1763,7 +1768,7 @@
             </a:ln>
             <a:extLst>
               <a:ext uri="{91240B29-F687-4f45-9708-019B960494DF}">
-                <a14:hiddenLine xmlns:a14="http://schemas.microsoft.com/office/drawing/2010/main" xmlns="" w="9525">
+                <a14:hiddenLine xmlns="" xmlns:a14="http://schemas.microsoft.com/office/drawing/2010/main" w="9525">
                   <a:solidFill>
                     <a:srgbClr val="000000"/>
                   </a:solidFill>
@@ -1853,7 +1858,7 @@
             </a:ln>
             <a:extLst>
               <a:ext uri="{91240B29-F687-4f45-9708-019B960494DF}">
-                <a14:hiddenLine xmlns:a14="http://schemas.microsoft.com/office/drawing/2010/main" xmlns="" w="9525">
+                <a14:hiddenLine xmlns="" xmlns:a14="http://schemas.microsoft.com/office/drawing/2010/main" w="9525">
                   <a:solidFill>
                     <a:srgbClr val="000000"/>
                   </a:solidFill>
@@ -1909,7 +1914,7 @@
             </a:ln>
             <a:extLst>
               <a:ext uri="{91240B29-F687-4f45-9708-019B960494DF}">
-                <a14:hiddenLine xmlns:a14="http://schemas.microsoft.com/office/drawing/2010/main" xmlns="" w="9525">
+                <a14:hiddenLine xmlns="" xmlns:a14="http://schemas.microsoft.com/office/drawing/2010/main" w="9525">
                   <a:solidFill>
                     <a:srgbClr val="000000"/>
                   </a:solidFill>
@@ -1999,7 +2004,7 @@
             </a:ln>
             <a:extLst>
               <a:ext uri="{91240B29-F687-4f45-9708-019B960494DF}">
-                <a14:hiddenLine xmlns:a14="http://schemas.microsoft.com/office/drawing/2010/main" xmlns="" w="9525">
+                <a14:hiddenLine xmlns="" xmlns:a14="http://schemas.microsoft.com/office/drawing/2010/main" w="9525">
                   <a:solidFill>
                     <a:srgbClr val="000000"/>
                   </a:solidFill>
@@ -2067,7 +2072,7 @@
             </a:ln>
             <a:extLst>
               <a:ext uri="{91240B29-F687-4f45-9708-019B960494DF}">
-                <a14:hiddenLine xmlns:a14="http://schemas.microsoft.com/office/drawing/2010/main" xmlns="" w="9525">
+                <a14:hiddenLine xmlns="" xmlns:a14="http://schemas.microsoft.com/office/drawing/2010/main" w="9525">
                   <a:solidFill>
                     <a:srgbClr val="000000"/>
                   </a:solidFill>
@@ -2157,7 +2162,7 @@
             </a:ln>
             <a:extLst>
               <a:ext uri="{91240B29-F687-4f45-9708-019B960494DF}">
-                <a14:hiddenLine xmlns:a14="http://schemas.microsoft.com/office/drawing/2010/main" xmlns="" w="9525">
+                <a14:hiddenLine xmlns="" xmlns:a14="http://schemas.microsoft.com/office/drawing/2010/main" w="9525">
                   <a:solidFill>
                     <a:srgbClr val="000000"/>
                   </a:solidFill>
@@ -2225,7 +2230,7 @@
             </a:ln>
             <a:extLst>
               <a:ext uri="{91240B29-F687-4f45-9708-019B960494DF}">
-                <a14:hiddenLine xmlns:a14="http://schemas.microsoft.com/office/drawing/2010/main" xmlns="" w="9525">
+                <a14:hiddenLine xmlns="" xmlns:a14="http://schemas.microsoft.com/office/drawing/2010/main" w="9525">
                   <a:solidFill>
                     <a:srgbClr val="000000"/>
                   </a:solidFill>
@@ -2315,7 +2320,7 @@
             </a:ln>
             <a:extLst>
               <a:ext uri="{91240B29-F687-4f45-9708-019B960494DF}">
-                <a14:hiddenLine xmlns:a14="http://schemas.microsoft.com/office/drawing/2010/main" xmlns="" w="9525">
+                <a14:hiddenLine xmlns="" xmlns:a14="http://schemas.microsoft.com/office/drawing/2010/main" w="9525">
                   <a:solidFill>
                     <a:srgbClr val="000000"/>
                   </a:solidFill>
@@ -2349,7 +2354,7 @@
             </a:ln>
             <a:extLst>
               <a:ext uri="{91240B29-F687-4f45-9708-019B960494DF}">
-                <a14:hiddenLine xmlns:a14="http://schemas.microsoft.com/office/drawing/2010/main" xmlns="" w="9525">
+                <a14:hiddenLine xmlns="" xmlns:a14="http://schemas.microsoft.com/office/drawing/2010/main" w="9525">
                   <a:solidFill>
                     <a:srgbClr val="000000"/>
                   </a:solidFill>
@@ -2439,7 +2444,7 @@
             </a:ln>
             <a:extLst>
               <a:ext uri="{91240B29-F687-4f45-9708-019B960494DF}">
-                <a14:hiddenLine xmlns:a14="http://schemas.microsoft.com/office/drawing/2010/main" xmlns="" w="9525">
+                <a14:hiddenLine xmlns="" xmlns:a14="http://schemas.microsoft.com/office/drawing/2010/main" w="9525">
                   <a:solidFill>
                     <a:srgbClr val="000000"/>
                   </a:solidFill>
@@ -2501,7 +2506,7 @@
             </a:ln>
             <a:extLst>
               <a:ext uri="{91240B29-F687-4f45-9708-019B960494DF}">
-                <a14:hiddenLine xmlns:a14="http://schemas.microsoft.com/office/drawing/2010/main" xmlns="" w="9525">
+                <a14:hiddenLine xmlns="" xmlns:a14="http://schemas.microsoft.com/office/drawing/2010/main" w="9525">
                   <a:solidFill>
                     <a:srgbClr val="000000"/>
                   </a:solidFill>
@@ -2563,7 +2568,7 @@
             </a:ln>
             <a:extLst>
               <a:ext uri="{91240B29-F687-4f45-9708-019B960494DF}">
-                <a14:hiddenLine xmlns:a14="http://schemas.microsoft.com/office/drawing/2010/main" xmlns="" w="9525">
+                <a14:hiddenLine xmlns="" xmlns:a14="http://schemas.microsoft.com/office/drawing/2010/main" w="9525">
                   <a:solidFill>
                     <a:srgbClr val="000000"/>
                   </a:solidFill>
@@ -2653,7 +2658,7 @@
             </a:ln>
             <a:extLst>
               <a:ext uri="{91240B29-F687-4f45-9708-019B960494DF}">
-                <a14:hiddenLine xmlns:a14="http://schemas.microsoft.com/office/drawing/2010/main" xmlns="" w="9525">
+                <a14:hiddenLine xmlns="" xmlns:a14="http://schemas.microsoft.com/office/drawing/2010/main" w="9525">
                   <a:solidFill>
                     <a:srgbClr val="000000"/>
                   </a:solidFill>
@@ -2721,7 +2726,7 @@
             </a:ln>
             <a:extLst>
               <a:ext uri="{91240B29-F687-4f45-9708-019B960494DF}">
-                <a14:hiddenLine xmlns:a14="http://schemas.microsoft.com/office/drawing/2010/main" xmlns="" w="9525">
+                <a14:hiddenLine xmlns="" xmlns:a14="http://schemas.microsoft.com/office/drawing/2010/main" w="9525">
                   <a:solidFill>
                     <a:srgbClr val="000000"/>
                   </a:solidFill>
@@ -2783,7 +2788,7 @@
             </a:ln>
             <a:extLst>
               <a:ext uri="{91240B29-F687-4f45-9708-019B960494DF}">
-                <a14:hiddenLine xmlns:a14="http://schemas.microsoft.com/office/drawing/2010/main" xmlns="" w="9525">
+                <a14:hiddenLine xmlns="" xmlns:a14="http://schemas.microsoft.com/office/drawing/2010/main" w="9525">
                   <a:solidFill>
                     <a:srgbClr val="000000"/>
                   </a:solidFill>
@@ -2873,7 +2878,7 @@
             </a:ln>
             <a:extLst>
               <a:ext uri="{91240B29-F687-4f45-9708-019B960494DF}">
-                <a14:hiddenLine xmlns:a14="http://schemas.microsoft.com/office/drawing/2010/main" xmlns="" w="9525">
+                <a14:hiddenLine xmlns="" xmlns:a14="http://schemas.microsoft.com/office/drawing/2010/main" w="9525">
                   <a:solidFill>
                     <a:srgbClr val="000000"/>
                   </a:solidFill>
@@ -2935,7 +2940,7 @@
             </a:ln>
             <a:extLst>
               <a:ext uri="{91240B29-F687-4f45-9708-019B960494DF}">
-                <a14:hiddenLine xmlns:a14="http://schemas.microsoft.com/office/drawing/2010/main" xmlns="" w="9525">
+                <a14:hiddenLine xmlns="" xmlns:a14="http://schemas.microsoft.com/office/drawing/2010/main" w="9525">
                   <a:solidFill>
                     <a:srgbClr val="000000"/>
                   </a:solidFill>
@@ -3025,7 +3030,7 @@
             </a:ln>
             <a:extLst>
               <a:ext uri="{91240B29-F687-4f45-9708-019B960494DF}">
-                <a14:hiddenLine xmlns:a14="http://schemas.microsoft.com/office/drawing/2010/main" xmlns="" w="9525">
+                <a14:hiddenLine xmlns="" xmlns:a14="http://schemas.microsoft.com/office/drawing/2010/main" w="9525">
                   <a:solidFill>
                     <a:srgbClr val="000000"/>
                   </a:solidFill>
@@ -3087,7 +3092,7 @@
             </a:ln>
             <a:extLst>
               <a:ext uri="{91240B29-F687-4f45-9708-019B960494DF}">
-                <a14:hiddenLine xmlns:a14="http://schemas.microsoft.com/office/drawing/2010/main" xmlns="" w="9525">
+                <a14:hiddenLine xmlns="" xmlns:a14="http://schemas.microsoft.com/office/drawing/2010/main" w="9525">
                   <a:solidFill>
                     <a:srgbClr val="000000"/>
                   </a:solidFill>
@@ -3177,7 +3182,7 @@
             </a:ln>
             <a:extLst>
               <a:ext uri="{91240B29-F687-4f45-9708-019B960494DF}">
-                <a14:hiddenLine xmlns:a14="http://schemas.microsoft.com/office/drawing/2010/main" xmlns="" w="9525">
+                <a14:hiddenLine xmlns="" xmlns:a14="http://schemas.microsoft.com/office/drawing/2010/main" w="9525">
                   <a:solidFill>
                     <a:srgbClr val="000000"/>
                   </a:solidFill>
@@ -3211,7 +3216,7 @@
             </a:ln>
             <a:extLst>
               <a:ext uri="{91240B29-F687-4f45-9708-019B960494DF}">
-                <a14:hiddenLine xmlns:a14="http://schemas.microsoft.com/office/drawing/2010/main" xmlns="" w="9525">
+                <a14:hiddenLine xmlns="" xmlns:a14="http://schemas.microsoft.com/office/drawing/2010/main" w="9525">
                   <a:solidFill>
                     <a:srgbClr val="000000"/>
                   </a:solidFill>
@@ -3276,7 +3281,7 @@
             </a:ln>
             <a:extLst>
               <a:ext uri="{91240B29-F687-4f45-9708-019B960494DF}">
-                <a14:hiddenLine xmlns:a14="http://schemas.microsoft.com/office/drawing/2010/main" xmlns="" w="9525">
+                <a14:hiddenLine xmlns="" xmlns:a14="http://schemas.microsoft.com/office/drawing/2010/main" w="9525">
                   <a:solidFill>
                     <a:srgbClr val="000000"/>
                   </a:solidFill>
@@ -3366,7 +3371,7 @@
             </a:ln>
             <a:extLst>
               <a:ext uri="{91240B29-F687-4f45-9708-019B960494DF}">
-                <a14:hiddenLine xmlns:a14="http://schemas.microsoft.com/office/drawing/2010/main" xmlns="" w="9525">
+                <a14:hiddenLine xmlns="" xmlns:a14="http://schemas.microsoft.com/office/drawing/2010/main" w="9525">
                   <a:solidFill>
                     <a:srgbClr val="000000"/>
                   </a:solidFill>
@@ -3428,7 +3433,7 @@
             </a:ln>
             <a:extLst>
               <a:ext uri="{91240B29-F687-4f45-9708-019B960494DF}">
-                <a14:hiddenLine xmlns:a14="http://schemas.microsoft.com/office/drawing/2010/main" xmlns="" w="9525">
+                <a14:hiddenLine xmlns="" xmlns:a14="http://schemas.microsoft.com/office/drawing/2010/main" w="9525">
                   <a:solidFill>
                     <a:srgbClr val="000000"/>
                   </a:solidFill>
@@ -3518,7 +3523,7 @@
             </a:ln>
             <a:extLst>
               <a:ext uri="{91240B29-F687-4f45-9708-019B960494DF}">
-                <a14:hiddenLine xmlns:a14="http://schemas.microsoft.com/office/drawing/2010/main" xmlns="" w="9525">
+                <a14:hiddenLine xmlns="" xmlns:a14="http://schemas.microsoft.com/office/drawing/2010/main" w="9525">
                   <a:solidFill>
                     <a:srgbClr val="000000"/>
                   </a:solidFill>
@@ -3608,7 +3613,7 @@
             </a:ln>
             <a:extLst>
               <a:ext uri="{91240B29-F687-4f45-9708-019B960494DF}">
-                <a14:hiddenLine xmlns:a14="http://schemas.microsoft.com/office/drawing/2010/main" xmlns="" w="9525">
+                <a14:hiddenLine xmlns="" xmlns:a14="http://schemas.microsoft.com/office/drawing/2010/main" w="9525">
                   <a:solidFill>
                     <a:srgbClr val="000000"/>
                   </a:solidFill>
@@ -3673,7 +3678,7 @@
             </a:ln>
             <a:extLst>
               <a:ext uri="{91240B29-F687-4f45-9708-019B960494DF}">
-                <a14:hiddenLine xmlns:a14="http://schemas.microsoft.com/office/drawing/2010/main" xmlns="" w="9525">
+                <a14:hiddenLine xmlns="" xmlns:a14="http://schemas.microsoft.com/office/drawing/2010/main" w="9525">
                   <a:solidFill>
                     <a:srgbClr val="000000"/>
                   </a:solidFill>
@@ -3735,7 +3740,7 @@
             </a:ln>
             <a:extLst>
               <a:ext uri="{91240B29-F687-4f45-9708-019B960494DF}">
-                <a14:hiddenLine xmlns:a14="http://schemas.microsoft.com/office/drawing/2010/main" xmlns="" w="9525">
+                <a14:hiddenLine xmlns="" xmlns:a14="http://schemas.microsoft.com/office/drawing/2010/main" w="9525">
                   <a:solidFill>
                     <a:srgbClr val="000000"/>
                   </a:solidFill>
@@ -3825,7 +3830,7 @@
             </a:ln>
             <a:extLst>
               <a:ext uri="{91240B29-F687-4f45-9708-019B960494DF}">
-                <a14:hiddenLine xmlns:a14="http://schemas.microsoft.com/office/drawing/2010/main" xmlns="" w="9525">
+                <a14:hiddenLine xmlns="" xmlns:a14="http://schemas.microsoft.com/office/drawing/2010/main" w="9525">
                   <a:solidFill>
                     <a:srgbClr val="000000"/>
                   </a:solidFill>
@@ -3915,7 +3920,7 @@
             </a:ln>
             <a:extLst>
               <a:ext uri="{91240B29-F687-4f45-9708-019B960494DF}">
-                <a14:hiddenLine xmlns:a14="http://schemas.microsoft.com/office/drawing/2010/main" xmlns="" w="9525">
+                <a14:hiddenLine xmlns="" xmlns:a14="http://schemas.microsoft.com/office/drawing/2010/main" w="9525">
                   <a:solidFill>
                     <a:srgbClr val="000000"/>
                   </a:solidFill>
@@ -3977,7 +3982,7 @@
             </a:ln>
             <a:extLst>
               <a:ext uri="{91240B29-F687-4f45-9708-019B960494DF}">
-                <a14:hiddenLine xmlns:a14="http://schemas.microsoft.com/office/drawing/2010/main" xmlns="" w="9525">
+                <a14:hiddenLine xmlns="" xmlns:a14="http://schemas.microsoft.com/office/drawing/2010/main" w="9525">
                   <a:solidFill>
                     <a:srgbClr val="000000"/>
                   </a:solidFill>
@@ -4097,7 +4102,7 @@
             </a:ln>
             <a:extLst>
               <a:ext uri="{91240B29-F687-4f45-9708-019B960494DF}">
-                <a14:hiddenLine xmlns:a14="http://schemas.microsoft.com/office/drawing/2010/main" xmlns="" w="9525">
+                <a14:hiddenLine xmlns="" xmlns:a14="http://schemas.microsoft.com/office/drawing/2010/main" w="9525">
                   <a:solidFill>
                     <a:srgbClr val="000000"/>
                   </a:solidFill>
@@ -4165,7 +4170,7 @@
             </a:ln>
             <a:extLst>
               <a:ext uri="{91240B29-F687-4f45-9708-019B960494DF}">
-                <a14:hiddenLine xmlns:a14="http://schemas.microsoft.com/office/drawing/2010/main" xmlns="" w="9525">
+                <a14:hiddenLine xmlns="" xmlns:a14="http://schemas.microsoft.com/office/drawing/2010/main" w="9525">
                   <a:solidFill>
                     <a:srgbClr val="000000"/>
                   </a:solidFill>
@@ -4255,7 +4260,7 @@
             </a:ln>
             <a:extLst>
               <a:ext uri="{91240B29-F687-4f45-9708-019B960494DF}">
-                <a14:hiddenLine xmlns:a14="http://schemas.microsoft.com/office/drawing/2010/main" xmlns="" w="9525">
+                <a14:hiddenLine xmlns="" xmlns:a14="http://schemas.microsoft.com/office/drawing/2010/main" w="9525">
                   <a:solidFill>
                     <a:srgbClr val="000000"/>
                   </a:solidFill>
@@ -4395,7 +4400,7 @@
           <a:p>
             <a:fld id="{48A87A34-81AB-432B-8DAE-1953F412C126}" type="datetimeFigureOut">
               <a:rPr lang="en-US" dirty="0"/>
-              <a:t>7/7/2019</a:t>
+              <a:t>7/8/2019</a:t>
             </a:fld>
             <a:endParaRPr lang="en-US" dirty="0"/>
           </a:p>
@@ -4657,7 +4662,7 @@
           <a:p>
             <a:fld id="{48A87A34-81AB-432B-8DAE-1953F412C126}" type="datetimeFigureOut">
               <a:rPr lang="en-US" dirty="0"/>
-              <a:t>7/7/2019</a:t>
+              <a:t>7/8/2019</a:t>
             </a:fld>
             <a:endParaRPr lang="en-US" dirty="0"/>
           </a:p>
@@ -4848,7 +4853,7 @@
           <a:p>
             <a:fld id="{48A87A34-81AB-432B-8DAE-1953F412C126}" type="datetimeFigureOut">
               <a:rPr lang="en-US" dirty="0"/>
-              <a:t>7/7/2019</a:t>
+              <a:t>7/8/2019</a:t>
             </a:fld>
             <a:endParaRPr lang="en-US" dirty="0"/>
           </a:p>
@@ -5106,7 +5111,7 @@
           <a:p>
             <a:fld id="{48A87A34-81AB-432B-8DAE-1953F412C126}" type="datetimeFigureOut">
               <a:rPr lang="en-US" dirty="0"/>
-              <a:t>7/7/2019</a:t>
+              <a:t>7/8/2019</a:t>
             </a:fld>
             <a:endParaRPr lang="en-US" dirty="0"/>
           </a:p>
@@ -5535,7 +5540,7 @@
           <a:p>
             <a:fld id="{48A87A34-81AB-432B-8DAE-1953F412C126}" type="datetimeFigureOut">
               <a:rPr lang="en-US" dirty="0"/>
-              <a:t>7/7/2019</a:t>
+              <a:t>7/8/2019</a:t>
             </a:fld>
             <a:endParaRPr lang="en-US" dirty="0"/>
           </a:p>
@@ -6076,7 +6081,7 @@
           <a:p>
             <a:fld id="{48A87A34-81AB-432B-8DAE-1953F412C126}" type="datetimeFigureOut">
               <a:rPr lang="en-US" dirty="0"/>
-              <a:t>7/7/2019</a:t>
+              <a:t>7/8/2019</a:t>
             </a:fld>
             <a:endParaRPr lang="en-US" dirty="0"/>
           </a:p>
@@ -6791,7 +6796,7 @@
           <a:p>
             <a:fld id="{48A87A34-81AB-432B-8DAE-1953F412C126}" type="datetimeFigureOut">
               <a:rPr lang="en-US" dirty="0"/>
-              <a:t>7/7/2019</a:t>
+              <a:t>7/8/2019</a:t>
             </a:fld>
             <a:endParaRPr lang="en-US" dirty="0"/>
           </a:p>
@@ -6956,7 +6961,7 @@
           <a:p>
             <a:fld id="{48A87A34-81AB-432B-8DAE-1953F412C126}" type="datetimeFigureOut">
               <a:rPr lang="en-US" dirty="0"/>
-              <a:t>7/7/2019</a:t>
+              <a:t>7/8/2019</a:t>
             </a:fld>
             <a:endParaRPr lang="en-US" dirty="0"/>
           </a:p>
@@ -7131,7 +7136,7 @@
           <a:p>
             <a:fld id="{48A87A34-81AB-432B-8DAE-1953F412C126}" type="datetimeFigureOut">
               <a:rPr lang="en-US" dirty="0"/>
-              <a:t>7/7/2019</a:t>
+              <a:t>7/8/2019</a:t>
             </a:fld>
             <a:endParaRPr lang="en-US" dirty="0"/>
           </a:p>
@@ -7296,7 +7301,7 @@
           <a:p>
             <a:fld id="{48A87A34-81AB-432B-8DAE-1953F412C126}" type="datetimeFigureOut">
               <a:rPr lang="en-US" dirty="0"/>
-              <a:t>7/7/2019</a:t>
+              <a:t>7/8/2019</a:t>
             </a:fld>
             <a:endParaRPr lang="en-US" dirty="0"/>
           </a:p>
@@ -7541,7 +7546,7 @@
           <a:p>
             <a:fld id="{48A87A34-81AB-432B-8DAE-1953F412C126}" type="datetimeFigureOut">
               <a:rPr lang="en-US" dirty="0"/>
-              <a:t>7/7/2019</a:t>
+              <a:t>7/8/2019</a:t>
             </a:fld>
             <a:endParaRPr lang="en-US" dirty="0"/>
           </a:p>
@@ -7768,7 +7773,7 @@
           <a:p>
             <a:fld id="{48A87A34-81AB-432B-8DAE-1953F412C126}" type="datetimeFigureOut">
               <a:rPr lang="en-US" dirty="0"/>
-              <a:t>7/7/2019</a:t>
+              <a:t>7/8/2019</a:t>
             </a:fld>
             <a:endParaRPr lang="en-US" dirty="0"/>
           </a:p>
@@ -8144,7 +8149,7 @@
           <a:p>
             <a:fld id="{48A87A34-81AB-432B-8DAE-1953F412C126}" type="datetimeFigureOut">
               <a:rPr lang="en-US" dirty="0"/>
-              <a:t>7/7/2019</a:t>
+              <a:t>7/8/2019</a:t>
             </a:fld>
             <a:endParaRPr lang="en-US" dirty="0"/>
           </a:p>
@@ -8257,7 +8262,7 @@
           <a:p>
             <a:fld id="{48A87A34-81AB-432B-8DAE-1953F412C126}" type="datetimeFigureOut">
               <a:rPr lang="en-US" dirty="0"/>
-              <a:t>7/7/2019</a:t>
+              <a:t>7/8/2019</a:t>
             </a:fld>
             <a:endParaRPr lang="en-US" dirty="0"/>
           </a:p>
@@ -8347,7 +8352,7 @@
           <a:p>
             <a:fld id="{48A87A34-81AB-432B-8DAE-1953F412C126}" type="datetimeFigureOut">
               <a:rPr lang="en-US" dirty="0"/>
-              <a:t>7/7/2019</a:t>
+              <a:t>7/8/2019</a:t>
             </a:fld>
             <a:endParaRPr lang="en-US" dirty="0"/>
           </a:p>
@@ -8591,7 +8596,7 @@
           <a:p>
             <a:fld id="{48A87A34-81AB-432B-8DAE-1953F412C126}" type="datetimeFigureOut">
               <a:rPr lang="en-US" dirty="0"/>
-              <a:t>7/7/2019</a:t>
+              <a:t>7/8/2019</a:t>
             </a:fld>
             <a:endParaRPr lang="en-US" dirty="0"/>
           </a:p>
@@ -8866,7 +8871,7 @@
           <a:p>
             <a:fld id="{48A87A34-81AB-432B-8DAE-1953F412C126}" type="datetimeFigureOut">
               <a:rPr lang="en-US" dirty="0"/>
-              <a:t>7/7/2019</a:t>
+              <a:t>7/8/2019</a:t>
             </a:fld>
             <a:endParaRPr lang="en-US" dirty="0"/>
           </a:p>
@@ -8977,7 +8982,7 @@
           <a:noFill/>
           <a:extLst>
             <a:ext uri="{909E8E84-426E-40dd-AFC4-6F175D3DCCD1}">
-              <a14:hiddenFill xmlns:a14="http://schemas.microsoft.com/office/drawing/2010/main" xmlns="">
+              <a14:hiddenFill xmlns="" xmlns:a14="http://schemas.microsoft.com/office/drawing/2010/main">
                 <a:solidFill>
                   <a:srgbClr val="FFFFFF"/>
                 </a:solidFill>
@@ -9051,7 +9056,7 @@
               </a:ln>
               <a:extLst>
                 <a:ext uri="{91240B29-F687-4f45-9708-019B960494DF}">
-                  <a14:hiddenLine xmlns:a14="http://schemas.microsoft.com/office/drawing/2010/main" xmlns="" w="9525">
+                  <a14:hiddenLine xmlns="" xmlns:a14="http://schemas.microsoft.com/office/drawing/2010/main" w="9525">
                     <a:solidFill>
                       <a:srgbClr val="000000"/>
                     </a:solidFill>
@@ -9141,7 +9146,7 @@
               </a:ln>
               <a:extLst>
                 <a:ext uri="{91240B29-F687-4f45-9708-019B960494DF}">
-                  <a14:hiddenLine xmlns:a14="http://schemas.microsoft.com/office/drawing/2010/main" xmlns="" w="9525">
+                  <a14:hiddenLine xmlns="" xmlns:a14="http://schemas.microsoft.com/office/drawing/2010/main" w="9525">
                     <a:solidFill>
                       <a:srgbClr val="000000"/>
                     </a:solidFill>
@@ -9231,7 +9236,7 @@
               </a:ln>
               <a:extLst>
                 <a:ext uri="{91240B29-F687-4f45-9708-019B960494DF}">
-                  <a14:hiddenLine xmlns:a14="http://schemas.microsoft.com/office/drawing/2010/main" xmlns="" w="9525">
+                  <a14:hiddenLine xmlns="" xmlns:a14="http://schemas.microsoft.com/office/drawing/2010/main" w="9525">
                     <a:solidFill>
                       <a:srgbClr val="000000"/>
                     </a:solidFill>
@@ -9293,7 +9298,7 @@
               </a:ln>
               <a:extLst>
                 <a:ext uri="{91240B29-F687-4f45-9708-019B960494DF}">
-                  <a14:hiddenLine xmlns:a14="http://schemas.microsoft.com/office/drawing/2010/main" xmlns="" w="9525">
+                  <a14:hiddenLine xmlns="" xmlns:a14="http://schemas.microsoft.com/office/drawing/2010/main" w="9525">
                     <a:solidFill>
                       <a:srgbClr val="000000"/>
                     </a:solidFill>
@@ -9383,7 +9388,7 @@
               </a:ln>
               <a:extLst>
                 <a:ext uri="{91240B29-F687-4f45-9708-019B960494DF}">
-                  <a14:hiddenLine xmlns:a14="http://schemas.microsoft.com/office/drawing/2010/main" xmlns="" w="9525">
+                  <a14:hiddenLine xmlns="" xmlns:a14="http://schemas.microsoft.com/office/drawing/2010/main" w="9525">
                     <a:solidFill>
                       <a:srgbClr val="000000"/>
                     </a:solidFill>
@@ -9445,7 +9450,7 @@
               </a:ln>
               <a:extLst>
                 <a:ext uri="{91240B29-F687-4f45-9708-019B960494DF}">
-                  <a14:hiddenLine xmlns:a14="http://schemas.microsoft.com/office/drawing/2010/main" xmlns="" w="9525">
+                  <a14:hiddenLine xmlns="" xmlns:a14="http://schemas.microsoft.com/office/drawing/2010/main" w="9525">
                     <a:solidFill>
                       <a:srgbClr val="000000"/>
                     </a:solidFill>
@@ -9507,7 +9512,7 @@
               </a:ln>
               <a:extLst>
                 <a:ext uri="{91240B29-F687-4f45-9708-019B960494DF}">
-                  <a14:hiddenLine xmlns:a14="http://schemas.microsoft.com/office/drawing/2010/main" xmlns="" w="9525">
+                  <a14:hiddenLine xmlns="" xmlns:a14="http://schemas.microsoft.com/office/drawing/2010/main" w="9525">
                     <a:solidFill>
                       <a:srgbClr val="000000"/>
                     </a:solidFill>
@@ -9597,7 +9602,7 @@
               </a:ln>
               <a:extLst>
                 <a:ext uri="{91240B29-F687-4f45-9708-019B960494DF}">
-                  <a14:hiddenLine xmlns:a14="http://schemas.microsoft.com/office/drawing/2010/main" xmlns="" w="9525">
+                  <a14:hiddenLine xmlns="" xmlns:a14="http://schemas.microsoft.com/office/drawing/2010/main" w="9525">
                     <a:solidFill>
                       <a:srgbClr val="000000"/>
                     </a:solidFill>
@@ -9687,7 +9692,7 @@
               </a:ln>
               <a:extLst>
                 <a:ext uri="{91240B29-F687-4f45-9708-019B960494DF}">
-                  <a14:hiddenLine xmlns:a14="http://schemas.microsoft.com/office/drawing/2010/main" xmlns="" w="9525">
+                  <a14:hiddenLine xmlns="" xmlns:a14="http://schemas.microsoft.com/office/drawing/2010/main" w="9525">
                     <a:solidFill>
                       <a:srgbClr val="000000"/>
                     </a:solidFill>
@@ -9749,7 +9754,7 @@
               </a:ln>
               <a:extLst>
                 <a:ext uri="{91240B29-F687-4f45-9708-019B960494DF}">
-                  <a14:hiddenLine xmlns:a14="http://schemas.microsoft.com/office/drawing/2010/main" xmlns="" w="9525">
+                  <a14:hiddenLine xmlns="" xmlns:a14="http://schemas.microsoft.com/office/drawing/2010/main" w="9525">
                     <a:solidFill>
                       <a:srgbClr val="000000"/>
                     </a:solidFill>
@@ -9859,7 +9864,7 @@
               </a:ln>
               <a:extLst>
                 <a:ext uri="{91240B29-F687-4f45-9708-019B960494DF}">
-                  <a14:hiddenLine xmlns:a14="http://schemas.microsoft.com/office/drawing/2010/main" xmlns="" w="9525">
+                  <a14:hiddenLine xmlns="" xmlns:a14="http://schemas.microsoft.com/office/drawing/2010/main" w="9525">
                     <a:solidFill>
                       <a:srgbClr val="000000"/>
                     </a:solidFill>
@@ -9943,7 +9948,7 @@
               </a:ln>
               <a:extLst>
                 <a:ext uri="{91240B29-F687-4f45-9708-019B960494DF}">
-                  <a14:hiddenLine xmlns:a14="http://schemas.microsoft.com/office/drawing/2010/main" xmlns="" w="9525">
+                  <a14:hiddenLine xmlns="" xmlns:a14="http://schemas.microsoft.com/office/drawing/2010/main" w="9525">
                     <a:solidFill>
                       <a:srgbClr val="000000"/>
                     </a:solidFill>
@@ -10005,7 +10010,7 @@
               </a:ln>
               <a:extLst>
                 <a:ext uri="{91240B29-F687-4f45-9708-019B960494DF}">
-                  <a14:hiddenLine xmlns:a14="http://schemas.microsoft.com/office/drawing/2010/main" xmlns="" w="9525">
+                  <a14:hiddenLine xmlns="" xmlns:a14="http://schemas.microsoft.com/office/drawing/2010/main" w="9525">
                     <a:solidFill>
                       <a:srgbClr val="000000"/>
                     </a:solidFill>
@@ -10067,7 +10072,7 @@
               </a:ln>
               <a:extLst>
                 <a:ext uri="{91240B29-F687-4f45-9708-019B960494DF}">
-                  <a14:hiddenLine xmlns:a14="http://schemas.microsoft.com/office/drawing/2010/main" xmlns="" w="9525">
+                  <a14:hiddenLine xmlns="" xmlns:a14="http://schemas.microsoft.com/office/drawing/2010/main" w="9525">
                     <a:solidFill>
                       <a:srgbClr val="000000"/>
                     </a:solidFill>
@@ -10157,7 +10162,7 @@
               </a:ln>
               <a:extLst>
                 <a:ext uri="{91240B29-F687-4f45-9708-019B960494DF}">
-                  <a14:hiddenLine xmlns:a14="http://schemas.microsoft.com/office/drawing/2010/main" xmlns="" w="9525">
+                  <a14:hiddenLine xmlns="" xmlns:a14="http://schemas.microsoft.com/office/drawing/2010/main" w="9525">
                     <a:solidFill>
                       <a:srgbClr val="000000"/>
                     </a:solidFill>
@@ -10191,7 +10196,7 @@
               </a:ln>
               <a:extLst>
                 <a:ext uri="{91240B29-F687-4f45-9708-019B960494DF}">
-                  <a14:hiddenLine xmlns:a14="http://schemas.microsoft.com/office/drawing/2010/main" xmlns="" w="9525">
+                  <a14:hiddenLine xmlns="" xmlns:a14="http://schemas.microsoft.com/office/drawing/2010/main" w="9525">
                     <a:solidFill>
                       <a:srgbClr val="000000"/>
                     </a:solidFill>
@@ -10256,7 +10261,7 @@
               </a:ln>
               <a:extLst>
                 <a:ext uri="{91240B29-F687-4f45-9708-019B960494DF}">
-                  <a14:hiddenLine xmlns:a14="http://schemas.microsoft.com/office/drawing/2010/main" xmlns="" w="9525">
+                  <a14:hiddenLine xmlns="" xmlns:a14="http://schemas.microsoft.com/office/drawing/2010/main" w="9525">
                     <a:solidFill>
                       <a:srgbClr val="000000"/>
                     </a:solidFill>
@@ -10346,7 +10351,7 @@
               </a:ln>
               <a:extLst>
                 <a:ext uri="{91240B29-F687-4f45-9708-019B960494DF}">
-                  <a14:hiddenLine xmlns:a14="http://schemas.microsoft.com/office/drawing/2010/main" xmlns="" w="9525">
+                  <a14:hiddenLine xmlns="" xmlns:a14="http://schemas.microsoft.com/office/drawing/2010/main" w="9525">
                     <a:solidFill>
                       <a:srgbClr val="000000"/>
                     </a:solidFill>
@@ -10408,7 +10413,7 @@
               </a:ln>
               <a:extLst>
                 <a:ext uri="{91240B29-F687-4f45-9708-019B960494DF}">
-                  <a14:hiddenLine xmlns:a14="http://schemas.microsoft.com/office/drawing/2010/main" xmlns="" w="9525">
+                  <a14:hiddenLine xmlns="" xmlns:a14="http://schemas.microsoft.com/office/drawing/2010/main" w="9525">
                     <a:solidFill>
                       <a:srgbClr val="000000"/>
                     </a:solidFill>
@@ -10498,7 +10503,7 @@
               </a:ln>
               <a:extLst>
                 <a:ext uri="{91240B29-F687-4f45-9708-019B960494DF}">
-                  <a14:hiddenLine xmlns:a14="http://schemas.microsoft.com/office/drawing/2010/main" xmlns="" w="9525">
+                  <a14:hiddenLine xmlns="" xmlns:a14="http://schemas.microsoft.com/office/drawing/2010/main" w="9525">
                     <a:solidFill>
                       <a:srgbClr val="000000"/>
                     </a:solidFill>
@@ -10563,7 +10568,7 @@
               </a:ln>
               <a:extLst>
                 <a:ext uri="{91240B29-F687-4f45-9708-019B960494DF}">
-                  <a14:hiddenLine xmlns:a14="http://schemas.microsoft.com/office/drawing/2010/main" xmlns="" w="9525">
+                  <a14:hiddenLine xmlns="" xmlns:a14="http://schemas.microsoft.com/office/drawing/2010/main" w="9525">
                     <a:solidFill>
                       <a:srgbClr val="000000"/>
                     </a:solidFill>
@@ -10625,7 +10630,7 @@
               </a:ln>
               <a:extLst>
                 <a:ext uri="{91240B29-F687-4f45-9708-019B960494DF}">
-                  <a14:hiddenLine xmlns:a14="http://schemas.microsoft.com/office/drawing/2010/main" xmlns="" w="9525">
+                  <a14:hiddenLine xmlns="" xmlns:a14="http://schemas.microsoft.com/office/drawing/2010/main" w="9525">
                     <a:solidFill>
                       <a:srgbClr val="000000"/>
                     </a:solidFill>
@@ -10715,7 +10720,7 @@
               </a:ln>
               <a:extLst>
                 <a:ext uri="{91240B29-F687-4f45-9708-019B960494DF}">
-                  <a14:hiddenLine xmlns:a14="http://schemas.microsoft.com/office/drawing/2010/main" xmlns="" w="9525">
+                  <a14:hiddenLine xmlns="" xmlns:a14="http://schemas.microsoft.com/office/drawing/2010/main" w="9525">
                     <a:solidFill>
                       <a:srgbClr val="000000"/>
                     </a:solidFill>
@@ -10805,7 +10810,7 @@
               </a:ln>
               <a:extLst>
                 <a:ext uri="{91240B29-F687-4f45-9708-019B960494DF}">
-                  <a14:hiddenLine xmlns:a14="http://schemas.microsoft.com/office/drawing/2010/main" xmlns="" w="9525">
+                  <a14:hiddenLine xmlns="" xmlns:a14="http://schemas.microsoft.com/office/drawing/2010/main" w="9525">
                     <a:solidFill>
                       <a:srgbClr val="000000"/>
                     </a:solidFill>
@@ -10870,7 +10875,7 @@
               </a:ln>
               <a:extLst>
                 <a:ext uri="{91240B29-F687-4f45-9708-019B960494DF}">
-                  <a14:hiddenLine xmlns:a14="http://schemas.microsoft.com/office/drawing/2010/main" xmlns="" w="9525">
+                  <a14:hiddenLine xmlns="" xmlns:a14="http://schemas.microsoft.com/office/drawing/2010/main" w="9525">
                     <a:solidFill>
                       <a:srgbClr val="000000"/>
                     </a:solidFill>
@@ -10990,7 +10995,7 @@
               </a:ln>
               <a:extLst>
                 <a:ext uri="{91240B29-F687-4f45-9708-019B960494DF}">
-                  <a14:hiddenLine xmlns:a14="http://schemas.microsoft.com/office/drawing/2010/main" xmlns="" w="9525">
+                  <a14:hiddenLine xmlns="" xmlns:a14="http://schemas.microsoft.com/office/drawing/2010/main" w="9525">
                     <a:solidFill>
                       <a:srgbClr val="000000"/>
                     </a:solidFill>
@@ -11088,7 +11093,7 @@
               </a:ln>
               <a:extLst>
                 <a:ext uri="{91240B29-F687-4f45-9708-019B960494DF}">
-                  <a14:hiddenLine xmlns:a14="http://schemas.microsoft.com/office/drawing/2010/main" xmlns="" w="9525">
+                  <a14:hiddenLine xmlns="" xmlns:a14="http://schemas.microsoft.com/office/drawing/2010/main" w="9525">
                     <a:solidFill>
                       <a:srgbClr val="000000"/>
                     </a:solidFill>
@@ -11203,7 +11208,7 @@
               </a:ln>
               <a:extLst>
                 <a:ext uri="{91240B29-F687-4f45-9708-019B960494DF}">
-                  <a14:hiddenLine xmlns:a14="http://schemas.microsoft.com/office/drawing/2010/main" xmlns="" w="9525">
+                  <a14:hiddenLine xmlns="" xmlns:a14="http://schemas.microsoft.com/office/drawing/2010/main" w="9525">
                     <a:solidFill>
                       <a:srgbClr val="000000"/>
                     </a:solidFill>
@@ -11293,7 +11298,7 @@
               </a:ln>
               <a:extLst>
                 <a:ext uri="{91240B29-F687-4f45-9708-019B960494DF}">
-                  <a14:hiddenLine xmlns:a14="http://schemas.microsoft.com/office/drawing/2010/main" xmlns="" w="9525">
+                  <a14:hiddenLine xmlns="" xmlns:a14="http://schemas.microsoft.com/office/drawing/2010/main" w="9525">
                     <a:solidFill>
                       <a:srgbClr val="000000"/>
                     </a:solidFill>
@@ -11358,7 +11363,7 @@
               </a:ln>
               <a:extLst>
                 <a:ext uri="{91240B29-F687-4f45-9708-019B960494DF}">
-                  <a14:hiddenLine xmlns:a14="http://schemas.microsoft.com/office/drawing/2010/main" xmlns="" w="9525">
+                  <a14:hiddenLine xmlns="" xmlns:a14="http://schemas.microsoft.com/office/drawing/2010/main" w="9525">
                     <a:solidFill>
                       <a:srgbClr val="000000"/>
                     </a:solidFill>
@@ -11448,7 +11453,7 @@
               </a:ln>
               <a:extLst>
                 <a:ext uri="{91240B29-F687-4f45-9708-019B960494DF}">
-                  <a14:hiddenLine xmlns:a14="http://schemas.microsoft.com/office/drawing/2010/main" xmlns="" w="9525">
+                  <a14:hiddenLine xmlns="" xmlns:a14="http://schemas.microsoft.com/office/drawing/2010/main" w="9525">
                     <a:solidFill>
                       <a:srgbClr val="000000"/>
                     </a:solidFill>
@@ -11516,7 +11521,7 @@
               </a:ln>
               <a:extLst>
                 <a:ext uri="{91240B29-F687-4f45-9708-019B960494DF}">
-                  <a14:hiddenLine xmlns:a14="http://schemas.microsoft.com/office/drawing/2010/main" xmlns="" w="9525">
+                  <a14:hiddenLine xmlns="" xmlns:a14="http://schemas.microsoft.com/office/drawing/2010/main" w="9525">
                     <a:solidFill>
                       <a:srgbClr val="000000"/>
                     </a:solidFill>
@@ -11606,7 +11611,7 @@
               </a:ln>
               <a:extLst>
                 <a:ext uri="{91240B29-F687-4f45-9708-019B960494DF}">
-                  <a14:hiddenLine xmlns:a14="http://schemas.microsoft.com/office/drawing/2010/main" xmlns="" w="9525">
+                  <a14:hiddenLine xmlns="" xmlns:a14="http://schemas.microsoft.com/office/drawing/2010/main" w="9525">
                     <a:solidFill>
                       <a:srgbClr val="000000"/>
                     </a:solidFill>
@@ -11674,7 +11679,7 @@
               </a:ln>
               <a:extLst>
                 <a:ext uri="{91240B29-F687-4f45-9708-019B960494DF}">
-                  <a14:hiddenLine xmlns:a14="http://schemas.microsoft.com/office/drawing/2010/main" xmlns="" w="9525">
+                  <a14:hiddenLine xmlns="" xmlns:a14="http://schemas.microsoft.com/office/drawing/2010/main" w="9525">
                     <a:solidFill>
                       <a:srgbClr val="000000"/>
                     </a:solidFill>
@@ -11764,7 +11769,7 @@
               </a:ln>
               <a:extLst>
                 <a:ext uri="{91240B29-F687-4f45-9708-019B960494DF}">
-                  <a14:hiddenLine xmlns:a14="http://schemas.microsoft.com/office/drawing/2010/main" xmlns="" w="9525">
+                  <a14:hiddenLine xmlns="" xmlns:a14="http://schemas.microsoft.com/office/drawing/2010/main" w="9525">
                     <a:solidFill>
                       <a:srgbClr val="000000"/>
                     </a:solidFill>
@@ -11798,7 +11803,7 @@
               </a:ln>
               <a:extLst>
                 <a:ext uri="{91240B29-F687-4f45-9708-019B960494DF}">
-                  <a14:hiddenLine xmlns:a14="http://schemas.microsoft.com/office/drawing/2010/main" xmlns="" w="9525">
+                  <a14:hiddenLine xmlns="" xmlns:a14="http://schemas.microsoft.com/office/drawing/2010/main" w="9525">
                     <a:solidFill>
                       <a:srgbClr val="000000"/>
                     </a:solidFill>
@@ -11939,7 +11944,7 @@
             <a:fld id="{48A87A34-81AB-432B-8DAE-1953F412C126}" type="datetimeFigureOut">
               <a:rPr lang="en-US" dirty="0"/>
               <a:pPr/>
-              <a:t>7/7/2019</a:t>
+              <a:t>7/8/2019</a:t>
             </a:fld>
             <a:endParaRPr lang="en-US" dirty="0"/>
           </a:p>
@@ -12462,7 +12467,12 @@
             <p:ph type="title"/>
           </p:nvPr>
         </p:nvSpPr>
-        <p:spPr/>
+        <p:spPr>
+          <a:xfrm>
+            <a:off x="1143001" y="219074"/>
+            <a:ext cx="9905998" cy="1478570"/>
+          </a:xfrm>
+        </p:spPr>
         <p:txBody>
           <a:bodyPr/>
           <a:lstStyle/>
@@ -12497,7 +12507,7 @@
             </a:r>
             <a:r>
               <a:rPr lang="fr-FR" dirty="0" err="1"/>
-              <a:t>restarant</a:t>
+              <a:t>restaUrant</a:t>
             </a:r>
             <a:endParaRPr lang="fr-FR" dirty="0"/>
           </a:p>
@@ -12523,7 +12533,7 @@
         </p:blipFill>
         <p:spPr>
           <a:xfrm>
-            <a:off x="1401127" y="1847706"/>
+            <a:off x="1497842" y="1592811"/>
             <a:ext cx="7908053" cy="1836189"/>
           </a:xfrm>
           <a:prstGeom prst="rect">
@@ -12549,7 +12559,7 @@
         </p:nvSpPr>
         <p:spPr>
           <a:xfrm>
-            <a:off x="1401127" y="2419436"/>
+            <a:off x="1143001" y="2779482"/>
             <a:ext cx="9905999" cy="4267201"/>
           </a:xfrm>
         </p:spPr>
@@ -12562,34 +12572,36 @@
             <a:endParaRPr lang="fr-FR" dirty="0"/>
           </a:p>
           <a:p>
+            <a:pPr marL="0" indent="0">
+              <a:buNone/>
+            </a:pPr>
             <a:r>
               <a:rPr lang="en-US" dirty="0"/>
-              <a:t> </a:t>
+              <a:t>Let's focus on these 2 clusters only and find Neighborhoods corresponding to these clusters , but with few </a:t>
+            </a:r>
+            <a:r>
+              <a:rPr lang="en-US" dirty="0" err="1"/>
+              <a:t>indian</a:t>
+            </a:r>
+            <a:r>
+              <a:rPr lang="en-US" dirty="0"/>
+              <a:t> restaurants, only select the </a:t>
+            </a:r>
+            <a:r>
+              <a:rPr lang="en-US" dirty="0" err="1"/>
+              <a:t>neighborhhood</a:t>
+            </a:r>
+            <a:r>
+              <a:rPr lang="en-US" dirty="0"/>
+              <a:t> with only 1 Indian restaurant </a:t>
             </a:r>
             <a:endParaRPr lang="fr-FR" dirty="0"/>
           </a:p>
           <a:p>
-            <a:r>
-              <a:rPr lang="en-US" b="1" dirty="0"/>
-              <a:t>Let's focus on these 2 clusters only and find Neighborhoods corresponding to these clusters , but with few </a:t>
-            </a:r>
-            <a:r>
-              <a:rPr lang="en-US" b="1" dirty="0" err="1"/>
-              <a:t>indian</a:t>
-            </a:r>
-            <a:r>
-              <a:rPr lang="en-US" b="1" dirty="0"/>
-              <a:t> restaurants, only select the </a:t>
-            </a:r>
-            <a:r>
-              <a:rPr lang="en-US" b="1" dirty="0" err="1"/>
-              <a:t>neighborhhood</a:t>
-            </a:r>
-            <a:r>
-              <a:rPr lang="en-US" b="1" dirty="0"/>
-              <a:t> with only 1 Indian restaurant </a:t>
-            </a:r>
-            <a:endParaRPr lang="fr-FR" b="1" dirty="0"/>
+            <a:pPr marL="0" indent="0">
+              <a:buNone/>
+            </a:pPr>
+            <a:endParaRPr lang="fr-FR" dirty="0"/>
           </a:p>
           <a:p>
             <a:endParaRPr lang="fr-FR" dirty="0"/>
@@ -12625,8 +12637,8 @@
         </p:blipFill>
         <p:spPr>
           <a:xfrm>
-            <a:off x="2242954" y="4913083"/>
-            <a:ext cx="5292053" cy="1923616"/>
+            <a:off x="4783016" y="4394336"/>
+            <a:ext cx="5960906" cy="2463663"/>
           </a:xfrm>
           <a:prstGeom prst="rect">
             <a:avLst/>
@@ -12835,15 +12847,7 @@
             </a:r>
             <a:r>
               <a:rPr lang="en-US" dirty="0"/>
-              <a:t>. Their cluster are similar to the one where there are many Indian </a:t>
-            </a:r>
-            <a:r>
-              <a:rPr lang="en-US" dirty="0" err="1"/>
-              <a:t>restaurants.And</a:t>
-            </a:r>
-            <a:r>
-              <a:rPr lang="en-US" dirty="0"/>
-              <a:t> they have great potential because only 1 </a:t>
+              <a:t>. Their cluster are similar to the one where there are many Indian restaurants. And they have great potential because only 1 </a:t>
             </a:r>
             <a:r>
               <a:rPr lang="en-US" dirty="0" err="1"/>
@@ -12858,23 +12862,7 @@
           <a:p>
             <a:r>
               <a:rPr lang="en-US" dirty="0"/>
-              <a:t>We can pursue a deeper analysis to find and select which of these neighborhood are the more </a:t>
-            </a:r>
-            <a:r>
-              <a:rPr lang="en-US" dirty="0" err="1"/>
-              <a:t>attractives</a:t>
-            </a:r>
-            <a:r>
-              <a:rPr lang="en-US" dirty="0"/>
-              <a:t> by using foursquare to get more </a:t>
-            </a:r>
-            <a:r>
-              <a:rPr lang="en-US" dirty="0" err="1"/>
-              <a:t>informations</a:t>
-            </a:r>
-            <a:r>
-              <a:rPr lang="en-US" dirty="0"/>
-              <a:t> about them such as : Review of the areas, attractivity( tourism) etc...</a:t>
+              <a:t>We can pursue a deeper analysis to find and select which of these neighborhood are the more attractive by using foursquare to get more information about them such as : Review of the areas, attractivity( tourism) etc...</a:t>
             </a:r>
             <a:endParaRPr lang="fr-FR" dirty="0"/>
           </a:p>
@@ -12968,10 +12956,14 @@
         <p:spPr/>
         <p:txBody>
           <a:bodyPr>
-            <a:normAutofit fontScale="92500"/>
+            <a:normAutofit fontScale="92500" lnSpcReduction="10000"/>
           </a:bodyPr>
           <a:lstStyle/>
           <a:p>
+            <a:pPr>
+              <a:buFont typeface="Wingdings" panose="05000000000000000000" pitchFamily="2" charset="2"/>
+              <a:buChar char="Ø"/>
+            </a:pPr>
             <a:r>
               <a:rPr lang="en-US" dirty="0"/>
               <a:t>The goal of the project was to find the best place for opening an </a:t>
@@ -12994,17 +12986,13 @@
             </a:r>
           </a:p>
           <a:p>
+            <a:pPr>
+              <a:buFont typeface="Wingdings" panose="05000000000000000000" pitchFamily="2" charset="2"/>
+              <a:buChar char="Ø"/>
+            </a:pPr>
             <a:r>
               <a:rPr lang="en-US" dirty="0"/>
-              <a:t>Finally we have use K-Means algorithm and </a:t>
-            </a:r>
-            <a:r>
-              <a:rPr lang="en-US" dirty="0" err="1"/>
-              <a:t>foursqaure</a:t>
-            </a:r>
-            <a:r>
-              <a:rPr lang="en-US" dirty="0"/>
-              <a:t> API to find the best clusters (1 or 2) containing a large number of </a:t>
+              <a:t>Finally we have use K-Means algorithm and foursquare API to find the best clusters (1 or 2) containing a large number of </a:t>
             </a:r>
             <a:r>
               <a:rPr lang="en-US" dirty="0" err="1"/>
@@ -13012,18 +13000,14 @@
             </a:r>
             <a:r>
               <a:rPr lang="en-US" dirty="0"/>
-              <a:t> restaurant. and found 7 Neighborhood similar as </a:t>
-            </a:r>
-            <a:r>
-              <a:rPr lang="en-US" dirty="0" err="1"/>
-              <a:t>thes</a:t>
-            </a:r>
-            <a:r>
-              <a:rPr lang="en-US" dirty="0"/>
-              <a:t> clusters, but with just on Indian Restaurant, for avoiding competition.</a:t>
-            </a:r>
-          </a:p>
-          <a:p>
+              <a:t> restaurant. and found 7 Neighborhood similar as these clusters, but with just on Indian Restaurant, for avoiding competition.</a:t>
+            </a:r>
+          </a:p>
+          <a:p>
+            <a:pPr>
+              <a:buFont typeface="Wingdings" panose="05000000000000000000" pitchFamily="2" charset="2"/>
+              <a:buChar char="Ø"/>
+            </a:pPr>
             <a:r>
               <a:rPr lang="en-US" dirty="0"/>
               <a:t>So these areas has a great potential because there are </a:t>
@@ -13135,7 +13119,7 @@
         <p:spPr/>
         <p:txBody>
           <a:bodyPr>
-            <a:normAutofit fontScale="85000" lnSpcReduction="20000"/>
+            <a:normAutofit fontScale="92500" lnSpcReduction="20000"/>
           </a:bodyPr>
           <a:lstStyle/>
           <a:p>
@@ -13169,7 +13153,7 @@
             <a:endParaRPr lang="fr-FR" dirty="0"/>
           </a:p>
           <a:p>
-            <a:pPr lvl="0"/>
+            <a:pPr lvl="1"/>
             <a:r>
               <a:rPr lang="fr-FR" dirty="0" err="1"/>
               <a:t>Attractivity</a:t>
@@ -13180,35 +13164,26 @@
             </a:r>
           </a:p>
           <a:p>
-            <a:pPr lvl="0"/>
+            <a:pPr lvl="1"/>
             <a:r>
               <a:rPr lang="en-US" dirty="0"/>
-              <a:t>no competition (no other Indian restaurant nearby)</a:t>
+              <a:t>No competition (no other Indian restaurant nearby)</a:t>
             </a:r>
             <a:endParaRPr lang="fr-FR" dirty="0"/>
           </a:p>
           <a:p>
-            <a:pPr lvl="0"/>
+            <a:pPr lvl="1"/>
             <a:r>
               <a:rPr lang="en-US" dirty="0"/>
-              <a:t>great potential (good review, attractive, crowded area)</a:t>
+              <a:t>Great potential (good review, attractive, crowded area)</a:t>
             </a:r>
             <a:endParaRPr lang="fr-FR" dirty="0"/>
           </a:p>
           <a:p>
-            <a:pPr lvl="0"/>
-            <a:r>
-              <a:rPr lang="fr-FR" dirty="0"/>
-              <a:t>Area </a:t>
-            </a:r>
-            <a:r>
-              <a:rPr lang="fr-FR" dirty="0" err="1"/>
-              <a:t>with</a:t>
-            </a:r>
-            <a:r>
-              <a:rPr lang="fr-FR" dirty="0"/>
-              <a:t> lot of restaurant</a:t>
-            </a:r>
+            <a:pPr marL="457200" lvl="1" indent="0">
+              <a:buNone/>
+            </a:pPr>
+            <a:endParaRPr lang="fr-FR" dirty="0"/>
           </a:p>
           <a:p>
             <a:endParaRPr lang="fr-FR" dirty="0"/>
@@ -13313,7 +13288,7 @@
             <a:endParaRPr lang="fr-FR" dirty="0"/>
           </a:p>
           <a:p>
-            <a:pPr lvl="0"/>
+            <a:pPr lvl="1"/>
             <a:r>
               <a:rPr lang="en-US" dirty="0"/>
               <a:t>Get and </a:t>
@@ -13329,30 +13304,22 @@
             <a:endParaRPr lang="fr-FR" dirty="0"/>
           </a:p>
           <a:p>
-            <a:pPr lvl="0"/>
+            <a:pPr lvl="1"/>
             <a:r>
               <a:rPr lang="en-US" dirty="0"/>
-              <a:t>Finding the neighborhoods, where you can find Lebanese restaurant</a:t>
+              <a:t>Finding the neighborhoods, where you can find Indian restaurant</a:t>
             </a:r>
             <a:endParaRPr lang="fr-FR" dirty="0"/>
           </a:p>
           <a:p>
-            <a:pPr lvl="0"/>
+            <a:pPr lvl="1"/>
             <a:r>
               <a:rPr lang="en-US" dirty="0" err="1"/>
               <a:t>Analyse</a:t>
             </a:r>
             <a:r>
               <a:rPr lang="en-US" dirty="0"/>
-              <a:t> each </a:t>
-            </a:r>
-            <a:r>
-              <a:rPr lang="en-US" dirty="0" err="1"/>
-              <a:t>fo</a:t>
-            </a:r>
-            <a:r>
-              <a:rPr lang="en-US" dirty="0"/>
-              <a:t> these neighborhood to find the best one, based on these </a:t>
+              <a:t> each of these neighborhood to find the best one, based on these </a:t>
             </a:r>
             <a:r>
               <a:rPr lang="en-US" dirty="0" err="1"/>
@@ -13365,7 +13332,7 @@
             <a:endParaRPr lang="fr-FR" dirty="0"/>
           </a:p>
           <a:p>
-            <a:pPr lvl="0"/>
+            <a:pPr lvl="1"/>
             <a:r>
               <a:rPr lang="en-US" dirty="0"/>
               <a:t>Find a similar neighborhood, but with no Indian restaurant opened yet.</a:t>
@@ -13581,10 +13548,13 @@
         </p:spPr>
         <p:txBody>
           <a:bodyPr>
-            <a:normAutofit fontScale="77500" lnSpcReduction="20000"/>
+            <a:normAutofit fontScale="85000" lnSpcReduction="10000"/>
           </a:bodyPr>
           <a:lstStyle/>
           <a:p>
+            <a:pPr marL="0" indent="0">
+              <a:buNone/>
+            </a:pPr>
             <a:r>
               <a:rPr lang="en-US" dirty="0"/>
               <a:t>In this project we will find the best neighborhoods for opening an </a:t>
@@ -13600,6 +13570,9 @@
             <a:endParaRPr lang="fr-FR" dirty="0"/>
           </a:p>
           <a:p>
+            <a:pPr marL="0" indent="0">
+              <a:buNone/>
+            </a:pPr>
             <a:r>
               <a:rPr lang="en-US" dirty="0"/>
               <a:t>So the objective is to find an area with many Indian Restaurant, then to find a similar area but with no or few </a:t>
@@ -13615,6 +13588,9 @@
             <a:endParaRPr lang="fr-FR" dirty="0"/>
           </a:p>
           <a:p>
+            <a:pPr marL="0" indent="0">
+              <a:buNone/>
+            </a:pPr>
             <a:r>
               <a:rPr lang="fr-FR" dirty="0" err="1"/>
               <a:t>Here</a:t>
@@ -13633,7 +13609,7 @@
             </a:r>
           </a:p>
           <a:p>
-            <a:pPr lvl="0"/>
+            <a:pPr lvl="1"/>
             <a:r>
               <a:rPr lang="en-US" dirty="0"/>
               <a:t>The first step will be to </a:t>
@@ -13665,7 +13641,7 @@
             <a:endParaRPr lang="fr-FR" dirty="0"/>
           </a:p>
           <a:p>
-            <a:pPr lvl="0"/>
+            <a:pPr lvl="1"/>
             <a:r>
               <a:rPr lang="en-US" dirty="0"/>
               <a:t>The second step is to find for each Neighborhood the top ten Venues, then using K-means to </a:t>
@@ -13681,7 +13657,7 @@
             <a:endParaRPr lang="fr-FR" dirty="0"/>
           </a:p>
           <a:p>
-            <a:pPr lvl="0"/>
+            <a:pPr lvl="1"/>
             <a:r>
               <a:rPr lang="en-US" dirty="0"/>
               <a:t>The third step is to define which cluster containing the more Indian restaurants.</a:t>
@@ -13689,7 +13665,7 @@
             <a:endParaRPr lang="fr-FR" dirty="0"/>
           </a:p>
           <a:p>
-            <a:pPr lvl="0"/>
+            <a:pPr lvl="1"/>
             <a:r>
               <a:rPr lang="en-US" dirty="0"/>
               <a:t>And finally to find which neighborhoods corresponding to that cluster, but with few Indian restaurant( 0 or 1) for avoiding competition, and visualize it using a map.</a:t>
@@ -13697,6 +13673,9 @@
             <a:endParaRPr lang="fr-FR" dirty="0"/>
           </a:p>
           <a:p>
+            <a:pPr marL="0" indent="0">
+              <a:buNone/>
+            </a:pPr>
             <a:r>
               <a:rPr lang="en-US" dirty="0"/>
               <a:t>We will use  Foursquare for searching Indian Restaurants by neighborhood</a:t>
@@ -13794,7 +13773,12 @@
             <p:ph idx="1"/>
           </p:nvPr>
         </p:nvSpPr>
-        <p:spPr/>
+        <p:spPr>
+          <a:xfrm>
+            <a:off x="1141412" y="1465885"/>
+            <a:ext cx="9905999" cy="3541714"/>
+          </a:xfrm>
+        </p:spPr>
         <p:txBody>
           <a:bodyPr/>
           <a:lstStyle/>
@@ -13845,7 +13829,7 @@
         </p:blipFill>
         <p:spPr>
           <a:xfrm>
-            <a:off x="6094411" y="2249487"/>
+            <a:off x="5997695" y="1395680"/>
             <a:ext cx="5732145" cy="1839595"/>
           </a:xfrm>
           <a:prstGeom prst="rect">
@@ -13873,8 +13857,8 @@
         </p:blipFill>
         <p:spPr>
           <a:xfrm>
-            <a:off x="6094411" y="4376395"/>
-            <a:ext cx="4724872" cy="2265866"/>
+            <a:off x="4937434" y="3701857"/>
+            <a:ext cx="6792406" cy="3019535"/>
           </a:xfrm>
           <a:prstGeom prst="rect">
             <a:avLst/>
@@ -14000,8 +13984,8 @@
         </p:blipFill>
         <p:spPr>
           <a:xfrm>
-            <a:off x="1918333" y="3712671"/>
-            <a:ext cx="7613593" cy="2230929"/>
+            <a:off x="1266094" y="3429000"/>
+            <a:ext cx="8626318" cy="2907937"/>
           </a:xfrm>
           <a:prstGeom prst="rect">
             <a:avLst/>
@@ -14087,8 +14071,8 @@
         </p:blipFill>
         <p:spPr>
           <a:xfrm>
-            <a:off x="2175392" y="2030074"/>
-            <a:ext cx="7481226" cy="3980539"/>
+            <a:off x="1762152" y="2004647"/>
+            <a:ext cx="8305039" cy="4331282"/>
           </a:xfrm>
           <a:prstGeom prst="rect">
             <a:avLst/>
